--- a/docs/diagrams/ModelComponentClassDiagram.pptx
+++ b/docs/diagrams/ModelComponentClassDiagram.pptx
@@ -109,7 +109,7 @@
   </p:defaultTextStyle>
   <p:extLst>
     <p:ext uri="{EFAFB233-063F-42B5-8137-9DF3F51BA10A}">
-      <p15:sldGuideLst xmlns:p15="http://schemas.microsoft.com/office/powerpoint/2012/main" xmlns="">
+      <p15:sldGuideLst xmlns="" xmlns:p15="http://schemas.microsoft.com/office/powerpoint/2012/main">
         <p15:guide id="1" orient="horz" pos="1488">
           <p15:clr>
             <a:srgbClr val="A4A3A4"/>
@@ -208,7 +208,7 @@
           <a:p>
             <a:fld id="{F5CC4B3F-88C1-4FFA-B1B6-F41C21DC6924}" type="datetimeFigureOut">
               <a:rPr lang="en-US" smtClean="0"/>
-              <a:t>3/5/2018</a:t>
+              <a:t>3/8/2018</a:t>
             </a:fld>
             <a:endParaRPr lang="en-US"/>
           </a:p>
@@ -657,7 +657,7 @@
           <a:p>
             <a:fld id="{78C97017-6FC3-485B-9764-EAC9E56C1D49}" type="datetimeFigureOut">
               <a:rPr lang="en-US" smtClean="0"/>
-              <a:t>3/5/2018</a:t>
+              <a:t>3/8/2018</a:t>
             </a:fld>
             <a:endParaRPr lang="en-US"/>
           </a:p>
@@ -827,7 +827,7 @@
           <a:p>
             <a:fld id="{78C97017-6FC3-485B-9764-EAC9E56C1D49}" type="datetimeFigureOut">
               <a:rPr lang="en-US" smtClean="0"/>
-              <a:t>3/5/2018</a:t>
+              <a:t>3/8/2018</a:t>
             </a:fld>
             <a:endParaRPr lang="en-US"/>
           </a:p>
@@ -1007,7 +1007,7 @@
           <a:p>
             <a:fld id="{78C97017-6FC3-485B-9764-EAC9E56C1D49}" type="datetimeFigureOut">
               <a:rPr lang="en-US" smtClean="0"/>
-              <a:t>3/5/2018</a:t>
+              <a:t>3/8/2018</a:t>
             </a:fld>
             <a:endParaRPr lang="en-US"/>
           </a:p>
@@ -1177,7 +1177,7 @@
           <a:p>
             <a:fld id="{78C97017-6FC3-485B-9764-EAC9E56C1D49}" type="datetimeFigureOut">
               <a:rPr lang="en-US" smtClean="0"/>
-              <a:t>3/5/2018</a:t>
+              <a:t>3/8/2018</a:t>
             </a:fld>
             <a:endParaRPr lang="en-US"/>
           </a:p>
@@ -1423,7 +1423,7 @@
           <a:p>
             <a:fld id="{78C97017-6FC3-485B-9764-EAC9E56C1D49}" type="datetimeFigureOut">
               <a:rPr lang="en-US" smtClean="0"/>
-              <a:t>3/5/2018</a:t>
+              <a:t>3/8/2018</a:t>
             </a:fld>
             <a:endParaRPr lang="en-US"/>
           </a:p>
@@ -1711,7 +1711,7 @@
           <a:p>
             <a:fld id="{78C97017-6FC3-485B-9764-EAC9E56C1D49}" type="datetimeFigureOut">
               <a:rPr lang="en-US" smtClean="0"/>
-              <a:t>3/5/2018</a:t>
+              <a:t>3/8/2018</a:t>
             </a:fld>
             <a:endParaRPr lang="en-US"/>
           </a:p>
@@ -2133,7 +2133,7 @@
           <a:p>
             <a:fld id="{78C97017-6FC3-485B-9764-EAC9E56C1D49}" type="datetimeFigureOut">
               <a:rPr lang="en-US" smtClean="0"/>
-              <a:t>3/5/2018</a:t>
+              <a:t>3/8/2018</a:t>
             </a:fld>
             <a:endParaRPr lang="en-US"/>
           </a:p>
@@ -2251,7 +2251,7 @@
           <a:p>
             <a:fld id="{78C97017-6FC3-485B-9764-EAC9E56C1D49}" type="datetimeFigureOut">
               <a:rPr lang="en-US" smtClean="0"/>
-              <a:t>3/5/2018</a:t>
+              <a:t>3/8/2018</a:t>
             </a:fld>
             <a:endParaRPr lang="en-US"/>
           </a:p>
@@ -2346,7 +2346,7 @@
           <a:p>
             <a:fld id="{78C97017-6FC3-485B-9764-EAC9E56C1D49}" type="datetimeFigureOut">
               <a:rPr lang="en-US" smtClean="0"/>
-              <a:t>3/5/2018</a:t>
+              <a:t>3/8/2018</a:t>
             </a:fld>
             <a:endParaRPr lang="en-US"/>
           </a:p>
@@ -2623,7 +2623,7 @@
           <a:p>
             <a:fld id="{78C97017-6FC3-485B-9764-EAC9E56C1D49}" type="datetimeFigureOut">
               <a:rPr lang="en-US" smtClean="0"/>
-              <a:t>3/5/2018</a:t>
+              <a:t>3/8/2018</a:t>
             </a:fld>
             <a:endParaRPr lang="en-US"/>
           </a:p>
@@ -2876,7 +2876,7 @@
           <a:p>
             <a:fld id="{78C97017-6FC3-485B-9764-EAC9E56C1D49}" type="datetimeFigureOut">
               <a:rPr lang="en-US" smtClean="0"/>
-              <a:t>3/5/2018</a:t>
+              <a:t>3/8/2018</a:t>
             </a:fld>
             <a:endParaRPr lang="en-US"/>
           </a:p>
@@ -3089,7 +3089,7 @@
           <a:p>
             <a:fld id="{78C97017-6FC3-485B-9764-EAC9E56C1D49}" type="datetimeFigureOut">
               <a:rPr lang="en-US" smtClean="0"/>
-              <a:t>3/5/2018</a:t>
+              <a:t>3/8/2018</a:t>
             </a:fld>
             <a:endParaRPr lang="en-US"/>
           </a:p>
@@ -4015,20 +4015,12 @@
           <a:p>
             <a:pPr algn="ctr"/>
             <a:r>
-              <a:rPr lang="en-US" sz="1050" dirty="0" err="1" smtClean="0">
+              <a:rPr lang="en-US" sz="1050" dirty="0" smtClean="0">
                 <a:solidFill>
                   <a:srgbClr val="7030A0"/>
                 </a:solidFill>
               </a:rPr>
-              <a:t>Task</a:t>
-            </a:r>
-            <a:r>
-              <a:rPr lang="en-US" sz="1050" dirty="0" err="1" smtClean="0">
-                <a:solidFill>
-                  <a:srgbClr val="7030A0"/>
-                </a:solidFill>
-              </a:rPr>
-              <a:t>Book</a:t>
+              <a:t>Organizer</a:t>
             </a:r>
             <a:endParaRPr lang="en-SG" sz="1050" dirty="0">
               <a:solidFill>
@@ -5238,7 +5230,7 @@
                   <a:srgbClr val="7030A0"/>
                 </a:solidFill>
               </a:rPr>
-              <a:t>ReadOnlyTaskBook</a:t>
+              <a:t>ReadOnlyOrganizer</a:t>
             </a:r>
             <a:endParaRPr lang="en-SG" sz="1050" dirty="0">
               <a:solidFill>
@@ -5925,6 +5917,102 @@
           <a:xfrm rot="5400000" flipH="1" flipV="1">
             <a:off x="7447922" y="2440923"/>
             <a:ext cx="313478" cy="218935"/>
+          </a:xfrm>
+          <a:prstGeom prst="bentConnector2">
+            <a:avLst/>
+          </a:prstGeom>
+          <a:ln w="19050">
+            <a:solidFill>
+              <a:srgbClr val="7030A0"/>
+            </a:solidFill>
+            <a:headEnd type="none" w="med" len="med"/>
+            <a:tailEnd type="arrow" w="med" len="med"/>
+          </a:ln>
+          <a:effectLst/>
+        </p:spPr>
+        <p:style>
+          <a:lnRef idx="1">
+            <a:schemeClr val="accent2"/>
+          </a:lnRef>
+          <a:fillRef idx="2">
+            <a:schemeClr val="accent2"/>
+          </a:fillRef>
+          <a:effectRef idx="1">
+            <a:schemeClr val="accent2"/>
+          </a:effectRef>
+          <a:fontRef idx="minor">
+            <a:schemeClr val="dk1"/>
+          </a:fontRef>
+        </p:style>
+      </p:cxnSp>
+      <p:sp>
+        <p:nvSpPr>
+          <p:cNvPr id="55" name="Rectangle 8"/>
+          <p:cNvSpPr/>
+          <p:nvPr/>
+        </p:nvSpPr>
+        <p:spPr>
+          <a:xfrm>
+            <a:off x="7714129" y="4178678"/>
+            <a:ext cx="822002" cy="285783"/>
+          </a:xfrm>
+          <a:prstGeom prst="rect">
+            <a:avLst/>
+          </a:prstGeom>
+          <a:ln w="19050">
+            <a:solidFill>
+              <a:srgbClr val="7030A0"/>
+            </a:solidFill>
+          </a:ln>
+          <a:effectLst/>
+        </p:spPr>
+        <p:style>
+          <a:lnRef idx="1">
+            <a:schemeClr val="accent4"/>
+          </a:lnRef>
+          <a:fillRef idx="2">
+            <a:schemeClr val="accent4"/>
+          </a:fillRef>
+          <a:effectRef idx="1">
+            <a:schemeClr val="accent4"/>
+          </a:effectRef>
+          <a:fontRef idx="minor">
+            <a:schemeClr val="dk1"/>
+          </a:fontRef>
+        </p:style>
+        <p:txBody>
+          <a:bodyPr rtlCol="0" anchor="ctr"/>
+          <a:lstStyle/>
+          <a:p>
+            <a:pPr algn="ctr"/>
+            <a:r>
+              <a:rPr lang="en-US" sz="1050" dirty="0" smtClean="0">
+                <a:solidFill>
+                  <a:srgbClr val="7030A0"/>
+                </a:solidFill>
+              </a:rPr>
+              <a:t>Subtasks</a:t>
+            </a:r>
+            <a:endParaRPr lang="en-SG" sz="1050" dirty="0">
+              <a:solidFill>
+                <a:srgbClr val="7030A0"/>
+              </a:solidFill>
+            </a:endParaRPr>
+          </a:p>
+        </p:txBody>
+      </p:sp>
+      <p:cxnSp>
+        <p:nvCxnSpPr>
+          <p:cNvPr id="73" name="Elbow Connector 72"/>
+          <p:cNvCxnSpPr>
+            <a:endCxn id="55" idx="1"/>
+          </p:cNvCxnSpPr>
+          <p:nvPr/>
+        </p:nvCxnSpPr>
+        <p:spPr>
+          <a:xfrm rot="16200000" flipH="1">
+            <a:off x="7438376" y="4045816"/>
+            <a:ext cx="332573" cy="218933"/>
           </a:xfrm>
           <a:prstGeom prst="bentConnector2">
             <a:avLst/>

--- a/docs/diagrams/ModelComponentClassDiagram.pptx
+++ b/docs/diagrams/ModelComponentClassDiagram.pptx
@@ -109,7 +109,7 @@
   </p:defaultTextStyle>
   <p:extLst>
     <p:ext uri="{EFAFB233-063F-42B5-8137-9DF3F51BA10A}">
-      <p15:sldGuideLst xmlns="" xmlns:p15="http://schemas.microsoft.com/office/powerpoint/2012/main">
+      <p15:sldGuideLst xmlns:p15="http://schemas.microsoft.com/office/powerpoint/2012/main">
         <p15:guide id="1" orient="horz" pos="1488">
           <p15:clr>
             <a:srgbClr val="A4A3A4"/>
@@ -208,7 +208,7 @@
           <a:p>
             <a:fld id="{F5CC4B3F-88C1-4FFA-B1B6-F41C21DC6924}" type="datetimeFigureOut">
               <a:rPr lang="en-US" smtClean="0"/>
-              <a:t>3/8/2018</a:t>
+              <a:t>3/17/2018</a:t>
             </a:fld>
             <a:endParaRPr lang="en-US"/>
           </a:p>
@@ -272,38 +272,37 @@
           <a:p>
             <a:pPr lvl="0"/>
             <a:r>
-              <a:rPr lang="en-US" smtClean="0"/>
+              <a:rPr lang="en-US"/>
               <a:t>Click to edit Master text styles</a:t>
             </a:r>
           </a:p>
           <a:p>
             <a:pPr lvl="1"/>
             <a:r>
-              <a:rPr lang="en-US" smtClean="0"/>
+              <a:rPr lang="en-US"/>
               <a:t>Second level</a:t>
             </a:r>
           </a:p>
           <a:p>
             <a:pPr lvl="2"/>
             <a:r>
-              <a:rPr lang="en-US" smtClean="0"/>
+              <a:rPr lang="en-US"/>
               <a:t>Third level</a:t>
             </a:r>
           </a:p>
           <a:p>
             <a:pPr lvl="3"/>
             <a:r>
-              <a:rPr lang="en-US" smtClean="0"/>
+              <a:rPr lang="en-US"/>
               <a:t>Fourth level</a:t>
             </a:r>
           </a:p>
           <a:p>
             <a:pPr lvl="4"/>
             <a:r>
-              <a:rPr lang="en-US" smtClean="0"/>
+              <a:rPr lang="en-US"/>
               <a:t>Fifth level</a:t>
             </a:r>
-            <a:endParaRPr lang="en-US"/>
           </a:p>
         </p:txBody>
       </p:sp>
@@ -514,10 +513,9 @@
           <a:lstStyle/>
           <a:p>
             <a:r>
-              <a:rPr lang="en-US" smtClean="0"/>
+              <a:rPr lang="en-US"/>
               <a:t>Click to edit Master title style</a:t>
             </a:r>
-            <a:endParaRPr lang="en-US"/>
           </a:p>
         </p:txBody>
       </p:sp>
@@ -633,10 +631,9 @@
           </a:lstStyle>
           <a:p>
             <a:r>
-              <a:rPr lang="en-US" smtClean="0"/>
+              <a:rPr lang="en-US"/>
               <a:t>Click to edit Master subtitle style</a:t>
             </a:r>
-            <a:endParaRPr lang="en-US"/>
           </a:p>
         </p:txBody>
       </p:sp>
@@ -657,7 +654,7 @@
           <a:p>
             <a:fld id="{78C97017-6FC3-485B-9764-EAC9E56C1D49}" type="datetimeFigureOut">
               <a:rPr lang="en-US" smtClean="0"/>
-              <a:t>3/8/2018</a:t>
+              <a:t>3/17/2018</a:t>
             </a:fld>
             <a:endParaRPr lang="en-US"/>
           </a:p>
@@ -751,10 +748,9 @@
           <a:lstStyle/>
           <a:p>
             <a:r>
-              <a:rPr lang="en-US" smtClean="0"/>
+              <a:rPr lang="en-US"/>
               <a:t>Click to edit Master title style</a:t>
             </a:r>
-            <a:endParaRPr lang="en-US"/>
           </a:p>
         </p:txBody>
       </p:sp>
@@ -775,38 +771,37 @@
           <a:p>
             <a:pPr lvl="0"/>
             <a:r>
-              <a:rPr lang="en-US" smtClean="0"/>
+              <a:rPr lang="en-US"/>
               <a:t>Click to edit Master text styles</a:t>
             </a:r>
           </a:p>
           <a:p>
             <a:pPr lvl="1"/>
             <a:r>
-              <a:rPr lang="en-US" smtClean="0"/>
+              <a:rPr lang="en-US"/>
               <a:t>Second level</a:t>
             </a:r>
           </a:p>
           <a:p>
             <a:pPr lvl="2"/>
             <a:r>
-              <a:rPr lang="en-US" smtClean="0"/>
+              <a:rPr lang="en-US"/>
               <a:t>Third level</a:t>
             </a:r>
           </a:p>
           <a:p>
             <a:pPr lvl="3"/>
             <a:r>
-              <a:rPr lang="en-US" smtClean="0"/>
+              <a:rPr lang="en-US"/>
               <a:t>Fourth level</a:t>
             </a:r>
           </a:p>
           <a:p>
             <a:pPr lvl="4"/>
             <a:r>
-              <a:rPr lang="en-US" smtClean="0"/>
+              <a:rPr lang="en-US"/>
               <a:t>Fifth level</a:t>
             </a:r>
-            <a:endParaRPr lang="en-US"/>
           </a:p>
         </p:txBody>
       </p:sp>
@@ -827,7 +822,7 @@
           <a:p>
             <a:fld id="{78C97017-6FC3-485B-9764-EAC9E56C1D49}" type="datetimeFigureOut">
               <a:rPr lang="en-US" smtClean="0"/>
-              <a:t>3/8/2018</a:t>
+              <a:t>3/17/2018</a:t>
             </a:fld>
             <a:endParaRPr lang="en-US"/>
           </a:p>
@@ -926,10 +921,9 @@
           <a:lstStyle/>
           <a:p>
             <a:r>
-              <a:rPr lang="en-US" smtClean="0"/>
+              <a:rPr lang="en-US"/>
               <a:t>Click to edit Master title style</a:t>
             </a:r>
-            <a:endParaRPr lang="en-US"/>
           </a:p>
         </p:txBody>
       </p:sp>
@@ -955,38 +949,37 @@
           <a:p>
             <a:pPr lvl="0"/>
             <a:r>
-              <a:rPr lang="en-US" smtClean="0"/>
+              <a:rPr lang="en-US"/>
               <a:t>Click to edit Master text styles</a:t>
             </a:r>
           </a:p>
           <a:p>
             <a:pPr lvl="1"/>
             <a:r>
-              <a:rPr lang="en-US" smtClean="0"/>
+              <a:rPr lang="en-US"/>
               <a:t>Second level</a:t>
             </a:r>
           </a:p>
           <a:p>
             <a:pPr lvl="2"/>
             <a:r>
-              <a:rPr lang="en-US" smtClean="0"/>
+              <a:rPr lang="en-US"/>
               <a:t>Third level</a:t>
             </a:r>
           </a:p>
           <a:p>
             <a:pPr lvl="3"/>
             <a:r>
-              <a:rPr lang="en-US" smtClean="0"/>
+              <a:rPr lang="en-US"/>
               <a:t>Fourth level</a:t>
             </a:r>
           </a:p>
           <a:p>
             <a:pPr lvl="4"/>
             <a:r>
-              <a:rPr lang="en-US" smtClean="0"/>
+              <a:rPr lang="en-US"/>
               <a:t>Fifth level</a:t>
             </a:r>
-            <a:endParaRPr lang="en-US"/>
           </a:p>
         </p:txBody>
       </p:sp>
@@ -1007,7 +1000,7 @@
           <a:p>
             <a:fld id="{78C97017-6FC3-485B-9764-EAC9E56C1D49}" type="datetimeFigureOut">
               <a:rPr lang="en-US" smtClean="0"/>
-              <a:t>3/8/2018</a:t>
+              <a:t>3/17/2018</a:t>
             </a:fld>
             <a:endParaRPr lang="en-US"/>
           </a:p>
@@ -1101,10 +1094,9 @@
           <a:lstStyle/>
           <a:p>
             <a:r>
-              <a:rPr lang="en-US" smtClean="0"/>
+              <a:rPr lang="en-US"/>
               <a:t>Click to edit Master title style</a:t>
             </a:r>
-            <a:endParaRPr lang="en-US"/>
           </a:p>
         </p:txBody>
       </p:sp>
@@ -1125,38 +1117,37 @@
           <a:p>
             <a:pPr lvl="0"/>
             <a:r>
-              <a:rPr lang="en-US" smtClean="0"/>
+              <a:rPr lang="en-US"/>
               <a:t>Click to edit Master text styles</a:t>
             </a:r>
           </a:p>
           <a:p>
             <a:pPr lvl="1"/>
             <a:r>
-              <a:rPr lang="en-US" smtClean="0"/>
+              <a:rPr lang="en-US"/>
               <a:t>Second level</a:t>
             </a:r>
           </a:p>
           <a:p>
             <a:pPr lvl="2"/>
             <a:r>
-              <a:rPr lang="en-US" smtClean="0"/>
+              <a:rPr lang="en-US"/>
               <a:t>Third level</a:t>
             </a:r>
           </a:p>
           <a:p>
             <a:pPr lvl="3"/>
             <a:r>
-              <a:rPr lang="en-US" smtClean="0"/>
+              <a:rPr lang="en-US"/>
               <a:t>Fourth level</a:t>
             </a:r>
           </a:p>
           <a:p>
             <a:pPr lvl="4"/>
             <a:r>
-              <a:rPr lang="en-US" smtClean="0"/>
+              <a:rPr lang="en-US"/>
               <a:t>Fifth level</a:t>
             </a:r>
-            <a:endParaRPr lang="en-US"/>
           </a:p>
         </p:txBody>
       </p:sp>
@@ -1177,7 +1168,7 @@
           <a:p>
             <a:fld id="{78C97017-6FC3-485B-9764-EAC9E56C1D49}" type="datetimeFigureOut">
               <a:rPr lang="en-US" smtClean="0"/>
-              <a:t>3/8/2018</a:t>
+              <a:t>3/17/2018</a:t>
             </a:fld>
             <a:endParaRPr lang="en-US"/>
           </a:p>
@@ -1280,10 +1271,9 @@
           </a:lstStyle>
           <a:p>
             <a:r>
-              <a:rPr lang="en-US" smtClean="0"/>
+              <a:rPr lang="en-US"/>
               <a:t>Click to edit Master title style</a:t>
             </a:r>
-            <a:endParaRPr lang="en-US"/>
           </a:p>
         </p:txBody>
       </p:sp>
@@ -1400,7 +1390,7 @@
           <a:p>
             <a:pPr lvl="0"/>
             <a:r>
-              <a:rPr lang="en-US" smtClean="0"/>
+              <a:rPr lang="en-US"/>
               <a:t>Click to edit Master text styles</a:t>
             </a:r>
           </a:p>
@@ -1423,7 +1413,7 @@
           <a:p>
             <a:fld id="{78C97017-6FC3-485B-9764-EAC9E56C1D49}" type="datetimeFigureOut">
               <a:rPr lang="en-US" smtClean="0"/>
-              <a:t>3/8/2018</a:t>
+              <a:t>3/17/2018</a:t>
             </a:fld>
             <a:endParaRPr lang="en-US"/>
           </a:p>
@@ -1517,10 +1507,9 @@
           <a:lstStyle/>
           <a:p>
             <a:r>
-              <a:rPr lang="en-US" smtClean="0"/>
+              <a:rPr lang="en-US"/>
               <a:t>Click to edit Master title style</a:t>
             </a:r>
-            <a:endParaRPr lang="en-US"/>
           </a:p>
         </p:txBody>
       </p:sp>
@@ -1574,38 +1563,37 @@
           <a:p>
             <a:pPr lvl="0"/>
             <a:r>
-              <a:rPr lang="en-US" smtClean="0"/>
+              <a:rPr lang="en-US"/>
               <a:t>Click to edit Master text styles</a:t>
             </a:r>
           </a:p>
           <a:p>
             <a:pPr lvl="1"/>
             <a:r>
-              <a:rPr lang="en-US" smtClean="0"/>
+              <a:rPr lang="en-US"/>
               <a:t>Second level</a:t>
             </a:r>
           </a:p>
           <a:p>
             <a:pPr lvl="2"/>
             <a:r>
-              <a:rPr lang="en-US" smtClean="0"/>
+              <a:rPr lang="en-US"/>
               <a:t>Third level</a:t>
             </a:r>
           </a:p>
           <a:p>
             <a:pPr lvl="3"/>
             <a:r>
-              <a:rPr lang="en-US" smtClean="0"/>
+              <a:rPr lang="en-US"/>
               <a:t>Fourth level</a:t>
             </a:r>
           </a:p>
           <a:p>
             <a:pPr lvl="4"/>
             <a:r>
-              <a:rPr lang="en-US" smtClean="0"/>
+              <a:rPr lang="en-US"/>
               <a:t>Fifth level</a:t>
             </a:r>
-            <a:endParaRPr lang="en-US"/>
           </a:p>
         </p:txBody>
       </p:sp>
@@ -1659,38 +1647,37 @@
           <a:p>
             <a:pPr lvl="0"/>
             <a:r>
-              <a:rPr lang="en-US" smtClean="0"/>
+              <a:rPr lang="en-US"/>
               <a:t>Click to edit Master text styles</a:t>
             </a:r>
           </a:p>
           <a:p>
             <a:pPr lvl="1"/>
             <a:r>
-              <a:rPr lang="en-US" smtClean="0"/>
+              <a:rPr lang="en-US"/>
               <a:t>Second level</a:t>
             </a:r>
           </a:p>
           <a:p>
             <a:pPr lvl="2"/>
             <a:r>
-              <a:rPr lang="en-US" smtClean="0"/>
+              <a:rPr lang="en-US"/>
               <a:t>Third level</a:t>
             </a:r>
           </a:p>
           <a:p>
             <a:pPr lvl="3"/>
             <a:r>
-              <a:rPr lang="en-US" smtClean="0"/>
+              <a:rPr lang="en-US"/>
               <a:t>Fourth level</a:t>
             </a:r>
           </a:p>
           <a:p>
             <a:pPr lvl="4"/>
             <a:r>
-              <a:rPr lang="en-US" smtClean="0"/>
+              <a:rPr lang="en-US"/>
               <a:t>Fifth level</a:t>
             </a:r>
-            <a:endParaRPr lang="en-US"/>
           </a:p>
         </p:txBody>
       </p:sp>
@@ -1711,7 +1698,7 @@
           <a:p>
             <a:fld id="{78C97017-6FC3-485B-9764-EAC9E56C1D49}" type="datetimeFigureOut">
               <a:rPr lang="en-US" smtClean="0"/>
-              <a:t>3/8/2018</a:t>
+              <a:t>3/17/2018</a:t>
             </a:fld>
             <a:endParaRPr lang="en-US"/>
           </a:p>
@@ -1809,10 +1796,9 @@
           </a:lstStyle>
           <a:p>
             <a:r>
-              <a:rPr lang="en-US" smtClean="0"/>
+              <a:rPr lang="en-US"/>
               <a:t>Click to edit Master title style</a:t>
             </a:r>
-            <a:endParaRPr lang="en-US"/>
           </a:p>
         </p:txBody>
       </p:sp>
@@ -1875,7 +1861,7 @@
           <a:p>
             <a:pPr lvl="0"/>
             <a:r>
-              <a:rPr lang="en-US" smtClean="0"/>
+              <a:rPr lang="en-US"/>
               <a:t>Click to edit Master text styles</a:t>
             </a:r>
           </a:p>
@@ -1931,38 +1917,37 @@
           <a:p>
             <a:pPr lvl="0"/>
             <a:r>
-              <a:rPr lang="en-US" smtClean="0"/>
+              <a:rPr lang="en-US"/>
               <a:t>Click to edit Master text styles</a:t>
             </a:r>
           </a:p>
           <a:p>
             <a:pPr lvl="1"/>
             <a:r>
-              <a:rPr lang="en-US" smtClean="0"/>
+              <a:rPr lang="en-US"/>
               <a:t>Second level</a:t>
             </a:r>
           </a:p>
           <a:p>
             <a:pPr lvl="2"/>
             <a:r>
-              <a:rPr lang="en-US" smtClean="0"/>
+              <a:rPr lang="en-US"/>
               <a:t>Third level</a:t>
             </a:r>
           </a:p>
           <a:p>
             <a:pPr lvl="3"/>
             <a:r>
-              <a:rPr lang="en-US" smtClean="0"/>
+              <a:rPr lang="en-US"/>
               <a:t>Fourth level</a:t>
             </a:r>
           </a:p>
           <a:p>
             <a:pPr lvl="4"/>
             <a:r>
-              <a:rPr lang="en-US" smtClean="0"/>
+              <a:rPr lang="en-US"/>
               <a:t>Fifth level</a:t>
             </a:r>
-            <a:endParaRPr lang="en-US"/>
           </a:p>
         </p:txBody>
       </p:sp>
@@ -2025,7 +2010,7 @@
           <a:p>
             <a:pPr lvl="0"/>
             <a:r>
-              <a:rPr lang="en-US" smtClean="0"/>
+              <a:rPr lang="en-US"/>
               <a:t>Click to edit Master text styles</a:t>
             </a:r>
           </a:p>
@@ -2081,38 +2066,37 @@
           <a:p>
             <a:pPr lvl="0"/>
             <a:r>
-              <a:rPr lang="en-US" smtClean="0"/>
+              <a:rPr lang="en-US"/>
               <a:t>Click to edit Master text styles</a:t>
             </a:r>
           </a:p>
           <a:p>
             <a:pPr lvl="1"/>
             <a:r>
-              <a:rPr lang="en-US" smtClean="0"/>
+              <a:rPr lang="en-US"/>
               <a:t>Second level</a:t>
             </a:r>
           </a:p>
           <a:p>
             <a:pPr lvl="2"/>
             <a:r>
-              <a:rPr lang="en-US" smtClean="0"/>
+              <a:rPr lang="en-US"/>
               <a:t>Third level</a:t>
             </a:r>
           </a:p>
           <a:p>
             <a:pPr lvl="3"/>
             <a:r>
-              <a:rPr lang="en-US" smtClean="0"/>
+              <a:rPr lang="en-US"/>
               <a:t>Fourth level</a:t>
             </a:r>
           </a:p>
           <a:p>
             <a:pPr lvl="4"/>
             <a:r>
-              <a:rPr lang="en-US" smtClean="0"/>
+              <a:rPr lang="en-US"/>
               <a:t>Fifth level</a:t>
             </a:r>
-            <a:endParaRPr lang="en-US"/>
           </a:p>
         </p:txBody>
       </p:sp>
@@ -2133,7 +2117,7 @@
           <a:p>
             <a:fld id="{78C97017-6FC3-485B-9764-EAC9E56C1D49}" type="datetimeFigureOut">
               <a:rPr lang="en-US" smtClean="0"/>
-              <a:t>3/8/2018</a:t>
+              <a:t>3/17/2018</a:t>
             </a:fld>
             <a:endParaRPr lang="en-US"/>
           </a:p>
@@ -2227,10 +2211,9 @@
           <a:lstStyle/>
           <a:p>
             <a:r>
-              <a:rPr lang="en-US" smtClean="0"/>
+              <a:rPr lang="en-US"/>
               <a:t>Click to edit Master title style</a:t>
             </a:r>
-            <a:endParaRPr lang="en-US"/>
           </a:p>
         </p:txBody>
       </p:sp>
@@ -2251,7 +2234,7 @@
           <a:p>
             <a:fld id="{78C97017-6FC3-485B-9764-EAC9E56C1D49}" type="datetimeFigureOut">
               <a:rPr lang="en-US" smtClean="0"/>
-              <a:t>3/8/2018</a:t>
+              <a:t>3/17/2018</a:t>
             </a:fld>
             <a:endParaRPr lang="en-US"/>
           </a:p>
@@ -2346,7 +2329,7 @@
           <a:p>
             <a:fld id="{78C97017-6FC3-485B-9764-EAC9E56C1D49}" type="datetimeFigureOut">
               <a:rPr lang="en-US" smtClean="0"/>
-              <a:t>3/8/2018</a:t>
+              <a:t>3/17/2018</a:t>
             </a:fld>
             <a:endParaRPr lang="en-US"/>
           </a:p>
@@ -2449,10 +2432,9 @@
           </a:lstStyle>
           <a:p>
             <a:r>
-              <a:rPr lang="en-US" smtClean="0"/>
+              <a:rPr lang="en-US"/>
               <a:t>Click to edit Master title style</a:t>
             </a:r>
-            <a:endParaRPr lang="en-US"/>
           </a:p>
         </p:txBody>
       </p:sp>
@@ -2506,38 +2488,37 @@
           <a:p>
             <a:pPr lvl="0"/>
             <a:r>
-              <a:rPr lang="en-US" smtClean="0"/>
+              <a:rPr lang="en-US"/>
               <a:t>Click to edit Master text styles</a:t>
             </a:r>
           </a:p>
           <a:p>
             <a:pPr lvl="1"/>
             <a:r>
-              <a:rPr lang="en-US" smtClean="0"/>
+              <a:rPr lang="en-US"/>
               <a:t>Second level</a:t>
             </a:r>
           </a:p>
           <a:p>
             <a:pPr lvl="2"/>
             <a:r>
-              <a:rPr lang="en-US" smtClean="0"/>
+              <a:rPr lang="en-US"/>
               <a:t>Third level</a:t>
             </a:r>
           </a:p>
           <a:p>
             <a:pPr lvl="3"/>
             <a:r>
-              <a:rPr lang="en-US" smtClean="0"/>
+              <a:rPr lang="en-US"/>
               <a:t>Fourth level</a:t>
             </a:r>
           </a:p>
           <a:p>
             <a:pPr lvl="4"/>
             <a:r>
-              <a:rPr lang="en-US" smtClean="0"/>
+              <a:rPr lang="en-US"/>
               <a:t>Fifth level</a:t>
             </a:r>
-            <a:endParaRPr lang="en-US"/>
           </a:p>
         </p:txBody>
       </p:sp>
@@ -2600,7 +2581,7 @@
           <a:p>
             <a:pPr lvl="0"/>
             <a:r>
-              <a:rPr lang="en-US" smtClean="0"/>
+              <a:rPr lang="en-US"/>
               <a:t>Click to edit Master text styles</a:t>
             </a:r>
           </a:p>
@@ -2623,7 +2604,7 @@
           <a:p>
             <a:fld id="{78C97017-6FC3-485B-9764-EAC9E56C1D49}" type="datetimeFigureOut">
               <a:rPr lang="en-US" smtClean="0"/>
-              <a:t>3/8/2018</a:t>
+              <a:t>3/17/2018</a:t>
             </a:fld>
             <a:endParaRPr lang="en-US"/>
           </a:p>
@@ -2726,10 +2707,9 @@
           </a:lstStyle>
           <a:p>
             <a:r>
-              <a:rPr lang="en-US" smtClean="0"/>
+              <a:rPr lang="en-US"/>
               <a:t>Click to edit Master title style</a:t>
             </a:r>
-            <a:endParaRPr lang="en-US"/>
           </a:p>
         </p:txBody>
       </p:sp>
@@ -2853,7 +2833,7 @@
           <a:p>
             <a:pPr lvl="0"/>
             <a:r>
-              <a:rPr lang="en-US" smtClean="0"/>
+              <a:rPr lang="en-US"/>
               <a:t>Click to edit Master text styles</a:t>
             </a:r>
           </a:p>
@@ -2876,7 +2856,7 @@
           <a:p>
             <a:fld id="{78C97017-6FC3-485B-9764-EAC9E56C1D49}" type="datetimeFigureOut">
               <a:rPr lang="en-US" smtClean="0"/>
-              <a:t>3/8/2018</a:t>
+              <a:t>3/17/2018</a:t>
             </a:fld>
             <a:endParaRPr lang="en-US"/>
           </a:p>
@@ -2985,10 +2965,9 @@
           <a:lstStyle/>
           <a:p>
             <a:r>
-              <a:rPr lang="en-US" smtClean="0"/>
+              <a:rPr lang="en-US"/>
               <a:t>Click to edit Master title style</a:t>
             </a:r>
-            <a:endParaRPr lang="en-US"/>
           </a:p>
         </p:txBody>
       </p:sp>
@@ -3019,38 +2998,37 @@
           <a:p>
             <a:pPr lvl="0"/>
             <a:r>
-              <a:rPr lang="en-US" smtClean="0"/>
+              <a:rPr lang="en-US"/>
               <a:t>Click to edit Master text styles</a:t>
             </a:r>
           </a:p>
           <a:p>
             <a:pPr lvl="1"/>
             <a:r>
-              <a:rPr lang="en-US" smtClean="0"/>
+              <a:rPr lang="en-US"/>
               <a:t>Second level</a:t>
             </a:r>
           </a:p>
           <a:p>
             <a:pPr lvl="2"/>
             <a:r>
-              <a:rPr lang="en-US" smtClean="0"/>
+              <a:rPr lang="en-US"/>
               <a:t>Third level</a:t>
             </a:r>
           </a:p>
           <a:p>
             <a:pPr lvl="3"/>
             <a:r>
-              <a:rPr lang="en-US" smtClean="0"/>
+              <a:rPr lang="en-US"/>
               <a:t>Fourth level</a:t>
             </a:r>
           </a:p>
           <a:p>
             <a:pPr lvl="4"/>
             <a:r>
-              <a:rPr lang="en-US" smtClean="0"/>
+              <a:rPr lang="en-US"/>
               <a:t>Fifth level</a:t>
             </a:r>
-            <a:endParaRPr lang="en-US"/>
           </a:p>
         </p:txBody>
       </p:sp>
@@ -3089,7 +3067,7 @@
           <a:p>
             <a:fld id="{78C97017-6FC3-485B-9764-EAC9E56C1D49}" type="datetimeFigureOut">
               <a:rPr lang="en-US" smtClean="0"/>
-              <a:t>3/8/2018</a:t>
+              <a:t>3/17/2018</a:t>
             </a:fld>
             <a:endParaRPr lang="en-US"/>
           </a:p>
@@ -3510,7 +3488,7 @@
           <a:lstStyle/>
           <a:p>
             <a:r>
-              <a:rPr lang="en-US" sz="1200" b="1" dirty="0" smtClean="0">
+              <a:rPr lang="en-US" sz="1200" b="1" dirty="0">
                 <a:solidFill>
                   <a:srgbClr val="7030A0"/>
                 </a:solidFill>
@@ -3569,7 +3547,7 @@
           <a:p>
             <a:pPr algn="ctr"/>
             <a:r>
-              <a:rPr lang="en-US" sz="1050" dirty="0" err="1" smtClean="0">
+              <a:rPr lang="en-US" sz="1050" dirty="0" err="1">
                 <a:solidFill>
                   <a:schemeClr val="bg1"/>
                 </a:solidFill>
@@ -3628,7 +3606,7 @@
           <a:p>
             <a:pPr algn="ctr"/>
             <a:r>
-              <a:rPr lang="en-US" sz="1050" dirty="0" err="1" smtClean="0">
+              <a:rPr lang="en-US" sz="1050" dirty="0" err="1">
                 <a:solidFill>
                   <a:schemeClr val="bg1"/>
                 </a:solidFill>
@@ -3742,7 +3720,7 @@
           <a:p>
             <a:pPr algn="ctr"/>
             <a:r>
-              <a:rPr lang="en-US" sz="1050" dirty="0" smtClean="0">
+              <a:rPr lang="en-US" sz="1050" dirty="0">
                 <a:solidFill>
                   <a:schemeClr val="bg1"/>
                 </a:solidFill>
@@ -4015,7 +3993,7 @@
           <a:p>
             <a:pPr algn="ctr"/>
             <a:r>
-              <a:rPr lang="en-US" sz="1050" dirty="0" smtClean="0">
+              <a:rPr lang="en-US" sz="1050" dirty="0">
                 <a:solidFill>
                   <a:srgbClr val="7030A0"/>
                 </a:solidFill>
@@ -4157,7 +4135,7 @@
           <a:p>
             <a:pPr algn="ctr"/>
             <a:r>
-              <a:rPr lang="en-US" sz="1050" dirty="0" err="1" smtClean="0">
+              <a:rPr lang="en-US" sz="1050" dirty="0" err="1">
                 <a:solidFill>
                   <a:srgbClr val="7030A0"/>
                 </a:solidFill>
@@ -4301,7 +4279,7 @@
           <a:p>
             <a:pPr algn="ctr"/>
             <a:r>
-              <a:rPr lang="en-US" sz="1050" dirty="0" err="1" smtClean="0">
+              <a:rPr lang="en-US" sz="1050" dirty="0" err="1">
                 <a:solidFill>
                   <a:srgbClr val="7030A0"/>
                 </a:solidFill>
@@ -4400,7 +4378,7 @@
           <a:p>
             <a:pPr algn="ctr"/>
             <a:r>
-              <a:rPr lang="en-US" sz="1050" dirty="0" smtClean="0">
+              <a:rPr lang="en-US" sz="1050" dirty="0">
                 <a:solidFill>
                   <a:srgbClr val="7030A0"/>
                 </a:solidFill>
@@ -4542,7 +4520,7 @@
           <a:p>
             <a:pPr algn="ctr"/>
             <a:r>
-              <a:rPr lang="en-US" sz="1050" dirty="0" smtClean="0">
+              <a:rPr lang="en-US" sz="1050" dirty="0">
                 <a:solidFill>
                   <a:srgbClr val="7030A0"/>
                 </a:solidFill>
@@ -4651,7 +4629,7 @@
         </p:nvSpPr>
         <p:spPr>
           <a:xfrm>
-            <a:off x="7712397" y="2564238"/>
+            <a:off x="7696805" y="2255953"/>
             <a:ext cx="822002" cy="285783"/>
           </a:xfrm>
           <a:prstGeom prst="rect">
@@ -4684,7 +4662,7 @@
           <a:p>
             <a:pPr algn="ctr"/>
             <a:r>
-              <a:rPr lang="en-US" sz="1050" dirty="0" smtClean="0">
+              <a:rPr lang="en-US" sz="1050" dirty="0">
                 <a:solidFill>
                   <a:srgbClr val="7030A0"/>
                 </a:solidFill>
@@ -4757,8 +4735,8 @@
         </p:nvCxnSpPr>
         <p:spPr>
           <a:xfrm flipV="1">
-            <a:off x="7277995" y="2707130"/>
-            <a:ext cx="434402" cy="327761"/>
+            <a:off x="7277995" y="2398845"/>
+            <a:ext cx="418810" cy="636046"/>
           </a:xfrm>
           <a:prstGeom prst="bentConnector3">
             <a:avLst/>
@@ -4795,7 +4773,7 @@
         </p:nvSpPr>
         <p:spPr>
           <a:xfrm>
-            <a:off x="7712397" y="2887216"/>
+            <a:off x="7702537" y="2574182"/>
             <a:ext cx="822002" cy="285783"/>
           </a:xfrm>
           <a:prstGeom prst="rect">
@@ -4828,7 +4806,7 @@
           <a:p>
             <a:pPr algn="ctr"/>
             <a:r>
-              <a:rPr lang="en-US" sz="1050" dirty="0" smtClean="0">
+              <a:rPr lang="en-US" sz="1050" dirty="0">
                 <a:solidFill>
                   <a:srgbClr val="7030A0"/>
                 </a:solidFill>
@@ -4854,8 +4832,8 @@
         </p:nvCxnSpPr>
         <p:spPr>
           <a:xfrm flipV="1">
-            <a:off x="7277995" y="3030108"/>
-            <a:ext cx="434402" cy="4783"/>
+            <a:off x="7277995" y="2717074"/>
+            <a:ext cx="424542" cy="317817"/>
           </a:xfrm>
           <a:prstGeom prst="bentConnector3">
             <a:avLst/>
@@ -4892,7 +4870,7 @@
         </p:nvSpPr>
         <p:spPr>
           <a:xfrm>
-            <a:off x="7712397" y="3210194"/>
+            <a:off x="7702537" y="2897160"/>
             <a:ext cx="822002" cy="285783"/>
           </a:xfrm>
           <a:prstGeom prst="rect">
@@ -4925,7 +4903,7 @@
           <a:p>
             <a:pPr algn="ctr"/>
             <a:r>
-              <a:rPr lang="en-US" sz="1050" dirty="0" smtClean="0">
+              <a:rPr lang="en-US" sz="1050" dirty="0">
                 <a:solidFill>
                   <a:srgbClr val="7030A0"/>
                 </a:solidFill>
@@ -4952,7 +4930,7 @@
         <p:spPr>
           <a:xfrm>
             <a:off x="7277995" y="3034891"/>
-            <a:ext cx="434402" cy="318195"/>
+            <a:ext cx="424542" cy="5161"/>
           </a:xfrm>
           <a:prstGeom prst="bentConnector3">
             <a:avLst/>
@@ -4989,7 +4967,7 @@
         </p:nvSpPr>
         <p:spPr>
           <a:xfrm>
-            <a:off x="7712396" y="3533171"/>
+            <a:off x="7702536" y="3220137"/>
             <a:ext cx="822003" cy="285783"/>
           </a:xfrm>
           <a:prstGeom prst="rect">
@@ -5022,7 +5000,7 @@
           <a:p>
             <a:pPr algn="ctr"/>
             <a:r>
-              <a:rPr lang="en-US" sz="1050" dirty="0" smtClean="0">
+              <a:rPr lang="en-US" sz="1050" dirty="0">
                 <a:solidFill>
                   <a:srgbClr val="7030A0"/>
                 </a:solidFill>
@@ -5049,7 +5027,7 @@
         <p:spPr>
           <a:xfrm>
             <a:off x="7277995" y="3034891"/>
-            <a:ext cx="434401" cy="641172"/>
+            <a:ext cx="424541" cy="328138"/>
           </a:xfrm>
           <a:prstGeom prst="bentConnector3">
             <a:avLst/>
@@ -5210,7 +5188,7 @@
           <a:p>
             <a:pPr algn="ctr"/>
             <a:r>
-              <a:rPr lang="en-US" sz="1050" dirty="0" smtClean="0">
+              <a:rPr lang="en-US" sz="1050" dirty="0">
                 <a:solidFill>
                   <a:srgbClr val="7030A0"/>
                 </a:solidFill>
@@ -5218,14 +5196,14 @@
               <a:t>&lt;&lt;interface&gt;&gt;</a:t>
             </a:r>
             <a:br>
-              <a:rPr lang="en-US" sz="1050" dirty="0" smtClean="0">
+              <a:rPr lang="en-US" sz="1050" dirty="0">
                 <a:solidFill>
                   <a:srgbClr val="7030A0"/>
                 </a:solidFill>
               </a:rPr>
             </a:br>
             <a:r>
-              <a:rPr lang="en-US" sz="1050" dirty="0" err="1" smtClean="0">
+              <a:rPr lang="en-US" sz="1050" dirty="0" err="1">
                 <a:solidFill>
                   <a:srgbClr val="7030A0"/>
                 </a:solidFill>
@@ -5264,7 +5242,7 @@
           <a:p>
             <a:pPr algn="r"/>
             <a:r>
-              <a:rPr lang="en-US" sz="1100" dirty="0" smtClean="0">
+              <a:rPr lang="en-US" sz="1100" dirty="0">
                 <a:solidFill>
                   <a:srgbClr val="7030A0"/>
                 </a:solidFill>
@@ -5320,20 +5298,12 @@
           <a:p>
             <a:pPr algn="ctr"/>
             <a:r>
-              <a:rPr lang="en-US" sz="1050" dirty="0" smtClean="0">
+              <a:rPr lang="en-US" sz="1050" dirty="0">
                 <a:solidFill>
                   <a:srgbClr val="7030A0"/>
                 </a:solidFill>
               </a:rPr>
               <a:t>&lt;&lt;interface&gt;&gt;</a:t>
-            </a:r>
-            <a:r>
-              <a:rPr lang="en-US" sz="1050">
-                <a:solidFill>
-                  <a:srgbClr val="7030A0"/>
-                </a:solidFill>
-              </a:rPr>
-              <a:t/>
             </a:r>
             <a:br>
               <a:rPr lang="en-US" sz="1050">
@@ -5343,7 +5313,7 @@
               </a:rPr>
             </a:br>
             <a:r>
-              <a:rPr lang="en-US" sz="1050" dirty="0" err="1" smtClean="0">
+              <a:rPr lang="en-US" sz="1050" dirty="0" err="1">
                 <a:solidFill>
                   <a:srgbClr val="7030A0"/>
                 </a:solidFill>
@@ -5465,7 +5435,7 @@
           <a:p>
             <a:pPr algn="ctr"/>
             <a:r>
-              <a:rPr lang="en-US" sz="1100" dirty="0" smtClean="0">
+              <a:rPr lang="en-US" sz="1100" dirty="0">
                 <a:solidFill>
                   <a:srgbClr val="7030A0"/>
                 </a:solidFill>
@@ -5504,7 +5474,7 @@
           <a:p>
             <a:pPr algn="ctr"/>
             <a:r>
-              <a:rPr lang="en-US" sz="1100" dirty="0" smtClean="0">
+              <a:rPr lang="en-US" sz="1100" dirty="0">
                 <a:solidFill>
                   <a:srgbClr val="7030A0"/>
                 </a:solidFill>
@@ -5543,7 +5513,7 @@
           <a:p>
             <a:pPr algn="ctr"/>
             <a:r>
-              <a:rPr lang="en-US" sz="1100" dirty="0" smtClean="0">
+              <a:rPr lang="en-US" sz="1100" dirty="0">
                 <a:solidFill>
                   <a:srgbClr val="7030A0"/>
                 </a:solidFill>
@@ -5582,7 +5552,7 @@
           <a:p>
             <a:pPr algn="ctr"/>
             <a:r>
-              <a:rPr lang="en-US" sz="1100" dirty="0" smtClean="0">
+              <a:rPr lang="en-US" sz="1100" dirty="0">
                 <a:solidFill>
                   <a:srgbClr val="7030A0"/>
                 </a:solidFill>
@@ -5621,7 +5591,7 @@
           <a:p>
             <a:pPr algn="ctr"/>
             <a:r>
-              <a:rPr lang="en-US" sz="1100" dirty="0" smtClean="0">
+              <a:rPr lang="en-US" sz="1100" dirty="0">
                 <a:solidFill>
                   <a:srgbClr val="7030A0"/>
                 </a:solidFill>
@@ -5660,7 +5630,7 @@
           <a:p>
             <a:pPr algn="ctr"/>
             <a:r>
-              <a:rPr lang="en-US" sz="1100" dirty="0" smtClean="0">
+              <a:rPr lang="en-US" sz="1100" dirty="0">
                 <a:solidFill>
                   <a:srgbClr val="7030A0"/>
                 </a:solidFill>
@@ -5699,7 +5669,7 @@
           <a:p>
             <a:pPr algn="ctr"/>
             <a:r>
-              <a:rPr lang="en-US" sz="1100" dirty="0" smtClean="0">
+              <a:rPr lang="en-US" sz="1100" dirty="0">
                 <a:solidFill>
                   <a:srgbClr val="7030A0"/>
                 </a:solidFill>
@@ -5738,7 +5708,7 @@
           <a:p>
             <a:pPr algn="ctr"/>
             <a:r>
-              <a:rPr lang="en-US" sz="1100" dirty="0" smtClean="0">
+              <a:rPr lang="en-US" sz="1100" dirty="0">
                 <a:solidFill>
                   <a:srgbClr val="7030A0"/>
                 </a:solidFill>
@@ -5761,7 +5731,7 @@
         </p:nvSpPr>
         <p:spPr>
           <a:xfrm>
-            <a:off x="7712397" y="3854242"/>
+            <a:off x="7702537" y="3541208"/>
             <a:ext cx="822002" cy="285783"/>
           </a:xfrm>
           <a:prstGeom prst="rect">
@@ -5794,7 +5764,7 @@
           <a:p>
             <a:pPr algn="ctr"/>
             <a:r>
-              <a:rPr lang="en-US" sz="1050" dirty="0" smtClean="0">
+              <a:rPr lang="en-US" sz="1050" dirty="0">
                 <a:solidFill>
                   <a:srgbClr val="7030A0"/>
                 </a:solidFill>
@@ -5817,7 +5787,7 @@
         </p:nvSpPr>
         <p:spPr>
           <a:xfrm>
-            <a:off x="7714129" y="2250759"/>
+            <a:off x="7704269" y="1937725"/>
             <a:ext cx="822002" cy="285783"/>
           </a:xfrm>
           <a:prstGeom prst="rect">
@@ -5850,7 +5820,7 @@
           <a:p>
             <a:pPr algn="ctr"/>
             <a:r>
-              <a:rPr lang="en-US" sz="1050" dirty="0" smtClean="0">
+              <a:rPr lang="en-US" sz="1050" dirty="0">
                 <a:solidFill>
                   <a:srgbClr val="7030A0"/>
                 </a:solidFill>
@@ -5869,13 +5839,13 @@
         <p:nvCxnSpPr>
           <p:cNvPr id="71" name="Elbow Connector 70"/>
           <p:cNvCxnSpPr>
-            <a:endCxn id="52" idx="1"/>
+            <a:cxnSpLocks/>
           </p:cNvCxnSpPr>
           <p:nvPr/>
         </p:nvCxnSpPr>
         <p:spPr>
           <a:xfrm rot="16200000" flipH="1">
-            <a:off x="7443261" y="3727997"/>
+            <a:off x="7433400" y="3414963"/>
             <a:ext cx="321071" cy="217201"/>
           </a:xfrm>
           <a:prstGeom prst="bentConnector2">
@@ -5915,7 +5885,7 @@
         </p:nvCxnSpPr>
         <p:spPr>
           <a:xfrm rot="5400000" flipH="1" flipV="1">
-            <a:off x="7447922" y="2440923"/>
+            <a:off x="7438062" y="2127889"/>
             <a:ext cx="313478" cy="218935"/>
           </a:xfrm>
           <a:prstGeom prst="bentConnector2">
@@ -5953,7 +5923,7 @@
         </p:nvSpPr>
         <p:spPr>
           <a:xfrm>
-            <a:off x="7714129" y="4178678"/>
+            <a:off x="7704269" y="3865644"/>
             <a:ext cx="822002" cy="285783"/>
           </a:xfrm>
           <a:prstGeom prst="rect">
@@ -5986,7 +5956,7 @@
           <a:p>
             <a:pPr algn="ctr"/>
             <a:r>
-              <a:rPr lang="en-US" sz="1050" dirty="0" smtClean="0">
+              <a:rPr lang="en-US" sz="1050" dirty="0">
                 <a:solidFill>
                   <a:srgbClr val="7030A0"/>
                 </a:solidFill>
@@ -6011,8 +5981,117 @@
         </p:nvCxnSpPr>
         <p:spPr>
           <a:xfrm rot="16200000" flipH="1">
-            <a:off x="7438376" y="4045816"/>
+            <a:off x="7428516" y="3732782"/>
             <a:ext cx="332573" cy="218933"/>
+          </a:xfrm>
+          <a:prstGeom prst="bentConnector2">
+            <a:avLst/>
+          </a:prstGeom>
+          <a:ln w="19050">
+            <a:solidFill>
+              <a:srgbClr val="7030A0"/>
+            </a:solidFill>
+            <a:headEnd type="none" w="med" len="med"/>
+            <a:tailEnd type="arrow" w="med" len="med"/>
+          </a:ln>
+          <a:effectLst/>
+        </p:spPr>
+        <p:style>
+          <a:lnRef idx="1">
+            <a:schemeClr val="accent2"/>
+          </a:lnRef>
+          <a:fillRef idx="2">
+            <a:schemeClr val="accent2"/>
+          </a:fillRef>
+          <a:effectRef idx="1">
+            <a:schemeClr val="accent2"/>
+          </a:effectRef>
+          <a:fontRef idx="minor">
+            <a:schemeClr val="dk1"/>
+          </a:fontRef>
+        </p:style>
+      </p:cxnSp>
+      <p:sp>
+        <p:nvSpPr>
+          <p:cNvPr id="74" name="Rectangle 8">
+            <a:extLst>
+              <a:ext uri="{FF2B5EF4-FFF2-40B4-BE49-F238E27FC236}">
+                <a16:creationId xmlns:a16="http://schemas.microsoft.com/office/drawing/2014/main" id="{D1EA267A-1EFE-4F58-9EFF-6A0405CC6ADE}"/>
+              </a:ext>
+            </a:extLst>
+          </p:cNvPr>
+          <p:cNvSpPr/>
+          <p:nvPr/>
+        </p:nvSpPr>
+        <p:spPr>
+          <a:xfrm>
+            <a:off x="7704269" y="4190571"/>
+            <a:ext cx="822002" cy="285783"/>
+          </a:xfrm>
+          <a:prstGeom prst="rect">
+            <a:avLst/>
+          </a:prstGeom>
+          <a:ln w="19050">
+            <a:solidFill>
+              <a:srgbClr val="7030A0"/>
+            </a:solidFill>
+          </a:ln>
+          <a:effectLst/>
+        </p:spPr>
+        <p:style>
+          <a:lnRef idx="1">
+            <a:schemeClr val="accent4"/>
+          </a:lnRef>
+          <a:fillRef idx="2">
+            <a:schemeClr val="accent4"/>
+          </a:fillRef>
+          <a:effectRef idx="1">
+            <a:schemeClr val="accent4"/>
+          </a:effectRef>
+          <a:fontRef idx="minor">
+            <a:schemeClr val="dk1"/>
+          </a:fontRef>
+        </p:style>
+        <p:txBody>
+          <a:bodyPr rtlCol="0" anchor="ctr"/>
+          <a:lstStyle/>
+          <a:p>
+            <a:pPr algn="ctr"/>
+            <a:r>
+              <a:rPr lang="en-US" sz="1050" dirty="0">
+                <a:solidFill>
+                  <a:srgbClr val="7030A0"/>
+                </a:solidFill>
+              </a:rPr>
+              <a:t>Status</a:t>
+            </a:r>
+            <a:endParaRPr lang="en-SG" sz="1050" dirty="0">
+              <a:solidFill>
+                <a:srgbClr val="7030A0"/>
+              </a:solidFill>
+            </a:endParaRPr>
+          </a:p>
+        </p:txBody>
+      </p:sp>
+      <p:cxnSp>
+        <p:nvCxnSpPr>
+          <p:cNvPr id="77" name="Elbow Connector 72">
+            <a:extLst>
+              <a:ext uri="{FF2B5EF4-FFF2-40B4-BE49-F238E27FC236}">
+                <a16:creationId xmlns:a16="http://schemas.microsoft.com/office/drawing/2014/main" id="{8AE386F3-2DFC-4117-9793-35573E1679BB}"/>
+              </a:ext>
+            </a:extLst>
+          </p:cNvPr>
+          <p:cNvCxnSpPr>
+            <a:cxnSpLocks/>
+            <a:endCxn id="74" idx="1"/>
+          </p:cNvCxnSpPr>
+          <p:nvPr/>
+        </p:nvCxnSpPr>
+        <p:spPr>
+          <a:xfrm rot="16200000" flipH="1">
+            <a:off x="7436600" y="4065794"/>
+            <a:ext cx="316404" cy="218934"/>
           </a:xfrm>
           <a:prstGeom prst="bentConnector2">
             <a:avLst/>
@@ -6051,13 +6130,6 @@
   <p:clrMapOvr>
     <a:masterClrMapping/>
   </p:clrMapOvr>
-  <p:timing>
-    <p:tnLst>
-      <p:par>
-        <p:cTn id="1" dur="indefinite" restart="never" nodeType="tmRoot"/>
-      </p:par>
-    </p:tnLst>
-  </p:timing>
 </p:sld>
 </file>
 

--- a/docs/diagrams/ModelComponentClassDiagram.pptx
+++ b/docs/diagrams/ModelComponentClassDiagram.pptx
@@ -109,7 +109,7 @@
   </p:defaultTextStyle>
   <p:extLst>
     <p:ext uri="{EFAFB233-063F-42B5-8137-9DF3F51BA10A}">
-      <p15:sldGuideLst xmlns:p15="http://schemas.microsoft.com/office/powerpoint/2012/main">
+      <p15:sldGuideLst xmlns:p15="http://schemas.microsoft.com/office/powerpoint/2012/main" xmlns="">
         <p15:guide id="1" orient="horz" pos="1488">
           <p15:clr>
             <a:srgbClr val="A4A3A4"/>
@@ -208,7 +208,7 @@
           <a:p>
             <a:fld id="{F5CC4B3F-88C1-4FFA-B1B6-F41C21DC6924}" type="datetimeFigureOut">
               <a:rPr lang="en-US" smtClean="0"/>
-              <a:t>3/17/2018</a:t>
+              <a:t>4/2/2018</a:t>
             </a:fld>
             <a:endParaRPr lang="en-US"/>
           </a:p>
@@ -654,7 +654,7 @@
           <a:p>
             <a:fld id="{78C97017-6FC3-485B-9764-EAC9E56C1D49}" type="datetimeFigureOut">
               <a:rPr lang="en-US" smtClean="0"/>
-              <a:t>3/17/2018</a:t>
+              <a:t>4/2/2018</a:t>
             </a:fld>
             <a:endParaRPr lang="en-US"/>
           </a:p>
@@ -822,7 +822,7 @@
           <a:p>
             <a:fld id="{78C97017-6FC3-485B-9764-EAC9E56C1D49}" type="datetimeFigureOut">
               <a:rPr lang="en-US" smtClean="0"/>
-              <a:t>3/17/2018</a:t>
+              <a:t>4/2/2018</a:t>
             </a:fld>
             <a:endParaRPr lang="en-US"/>
           </a:p>
@@ -1000,7 +1000,7 @@
           <a:p>
             <a:fld id="{78C97017-6FC3-485B-9764-EAC9E56C1D49}" type="datetimeFigureOut">
               <a:rPr lang="en-US" smtClean="0"/>
-              <a:t>3/17/2018</a:t>
+              <a:t>4/2/2018</a:t>
             </a:fld>
             <a:endParaRPr lang="en-US"/>
           </a:p>
@@ -1168,7 +1168,7 @@
           <a:p>
             <a:fld id="{78C97017-6FC3-485B-9764-EAC9E56C1D49}" type="datetimeFigureOut">
               <a:rPr lang="en-US" smtClean="0"/>
-              <a:t>3/17/2018</a:t>
+              <a:t>4/2/2018</a:t>
             </a:fld>
             <a:endParaRPr lang="en-US"/>
           </a:p>
@@ -1413,7 +1413,7 @@
           <a:p>
             <a:fld id="{78C97017-6FC3-485B-9764-EAC9E56C1D49}" type="datetimeFigureOut">
               <a:rPr lang="en-US" smtClean="0"/>
-              <a:t>3/17/2018</a:t>
+              <a:t>4/2/2018</a:t>
             </a:fld>
             <a:endParaRPr lang="en-US"/>
           </a:p>
@@ -1698,7 +1698,7 @@
           <a:p>
             <a:fld id="{78C97017-6FC3-485B-9764-EAC9E56C1D49}" type="datetimeFigureOut">
               <a:rPr lang="en-US" smtClean="0"/>
-              <a:t>3/17/2018</a:t>
+              <a:t>4/2/2018</a:t>
             </a:fld>
             <a:endParaRPr lang="en-US"/>
           </a:p>
@@ -2117,7 +2117,7 @@
           <a:p>
             <a:fld id="{78C97017-6FC3-485B-9764-EAC9E56C1D49}" type="datetimeFigureOut">
               <a:rPr lang="en-US" smtClean="0"/>
-              <a:t>3/17/2018</a:t>
+              <a:t>4/2/2018</a:t>
             </a:fld>
             <a:endParaRPr lang="en-US"/>
           </a:p>
@@ -2234,7 +2234,7 @@
           <a:p>
             <a:fld id="{78C97017-6FC3-485B-9764-EAC9E56C1D49}" type="datetimeFigureOut">
               <a:rPr lang="en-US" smtClean="0"/>
-              <a:t>3/17/2018</a:t>
+              <a:t>4/2/2018</a:t>
             </a:fld>
             <a:endParaRPr lang="en-US"/>
           </a:p>
@@ -2329,7 +2329,7 @@
           <a:p>
             <a:fld id="{78C97017-6FC3-485B-9764-EAC9E56C1D49}" type="datetimeFigureOut">
               <a:rPr lang="en-US" smtClean="0"/>
-              <a:t>3/17/2018</a:t>
+              <a:t>4/2/2018</a:t>
             </a:fld>
             <a:endParaRPr lang="en-US"/>
           </a:p>
@@ -2604,7 +2604,7 @@
           <a:p>
             <a:fld id="{78C97017-6FC3-485B-9764-EAC9E56C1D49}" type="datetimeFigureOut">
               <a:rPr lang="en-US" smtClean="0"/>
-              <a:t>3/17/2018</a:t>
+              <a:t>4/2/2018</a:t>
             </a:fld>
             <a:endParaRPr lang="en-US"/>
           </a:p>
@@ -2856,7 +2856,7 @@
           <a:p>
             <a:fld id="{78C97017-6FC3-485B-9764-EAC9E56C1D49}" type="datetimeFigureOut">
               <a:rPr lang="en-US" smtClean="0"/>
-              <a:t>3/17/2018</a:t>
+              <a:t>4/2/2018</a:t>
             </a:fld>
             <a:endParaRPr lang="en-US"/>
           </a:p>
@@ -3067,7 +3067,7 @@
           <a:p>
             <a:fld id="{78C97017-6FC3-485B-9764-EAC9E56C1D49}" type="datetimeFigureOut">
               <a:rPr lang="en-US" smtClean="0"/>
-              <a:t>3/17/2018</a:t>
+              <a:t>4/2/2018</a:t>
             </a:fld>
             <a:endParaRPr lang="en-US"/>
           </a:p>
@@ -3636,7 +3636,7 @@
           </a:xfrm>
           <a:prstGeom prst="bentConnector4">
             <a:avLst>
-              <a:gd name="adj1" fmla="val -101829"/>
+              <a:gd name="adj1" fmla="val -125976"/>
               <a:gd name="adj2" fmla="val 99976"/>
             </a:avLst>
           </a:prstGeom>
@@ -5304,6 +5304,14 @@
                 </a:solidFill>
               </a:rPr>
               <a:t>&lt;&lt;interface&gt;&gt;</a:t>
+            </a:r>
+            <a:r>
+              <a:rPr lang="en-US" sz="1050">
+                <a:solidFill>
+                  <a:srgbClr val="7030A0"/>
+                </a:solidFill>
+              </a:rPr>
+              <a:t/>
             </a:r>
             <a:br>
               <a:rPr lang="en-US" sz="1050">
@@ -5845,11 +5853,13 @@
         </p:nvCxnSpPr>
         <p:spPr>
           <a:xfrm rot="16200000" flipH="1">
-            <a:off x="7433400" y="3414963"/>
-            <a:ext cx="321071" cy="217201"/>
-          </a:xfrm>
-          <a:prstGeom prst="bentConnector2">
-            <a:avLst/>
+            <a:off x="7438093" y="3419656"/>
+            <a:ext cx="313750" cy="215136"/>
+          </a:xfrm>
+          <a:prstGeom prst="bentConnector3">
+            <a:avLst>
+              <a:gd name="adj1" fmla="val 99788"/>
+            </a:avLst>
           </a:prstGeom>
           <a:ln w="19050">
             <a:solidFill>
@@ -5974,14 +5984,12 @@
       <p:cxnSp>
         <p:nvCxnSpPr>
           <p:cNvPr id="73" name="Elbow Connector 72"/>
-          <p:cNvCxnSpPr>
-            <a:endCxn id="55" idx="1"/>
-          </p:cNvCxnSpPr>
+          <p:cNvCxnSpPr/>
           <p:nvPr/>
         </p:nvCxnSpPr>
         <p:spPr>
           <a:xfrm rot="16200000" flipH="1">
-            <a:off x="7428516" y="3732782"/>
+            <a:off x="7430580" y="3730876"/>
             <a:ext cx="332573" cy="218933"/>
           </a:xfrm>
           <a:prstGeom prst="bentConnector2">
@@ -6016,7 +6024,7 @@
           <p:cNvPr id="74" name="Rectangle 8">
             <a:extLst>
               <a:ext uri="{FF2B5EF4-FFF2-40B4-BE49-F238E27FC236}">
-                <a16:creationId xmlns:a16="http://schemas.microsoft.com/office/drawing/2014/main" id="{D1EA267A-1EFE-4F58-9EFF-6A0405CC6ADE}"/>
+                <a16:creationId xmlns:a16="http://schemas.microsoft.com/office/drawing/2014/main" xmlns="" id="{D1EA267A-1EFE-4F58-9EFF-6A0405CC6ADE}"/>
               </a:ext>
             </a:extLst>
           </p:cNvPr>
@@ -6078,7 +6086,7 @@
           <p:cNvPr id="77" name="Elbow Connector 72">
             <a:extLst>
               <a:ext uri="{FF2B5EF4-FFF2-40B4-BE49-F238E27FC236}">
-                <a16:creationId xmlns:a16="http://schemas.microsoft.com/office/drawing/2014/main" id="{8AE386F3-2DFC-4117-9793-35573E1679BB}"/>
+                <a16:creationId xmlns:a16="http://schemas.microsoft.com/office/drawing/2014/main" xmlns="" id="{8AE386F3-2DFC-4117-9793-35573E1679BB}"/>
               </a:ext>
             </a:extLst>
           </p:cNvPr>
@@ -6120,6 +6128,371 @@
           </a:fontRef>
         </p:style>
       </p:cxnSp>
+      <p:sp>
+        <p:nvSpPr>
+          <p:cNvPr id="82" name="Rectangle 8"/>
+          <p:cNvSpPr/>
+          <p:nvPr/>
+        </p:nvSpPr>
+        <p:spPr>
+          <a:xfrm>
+            <a:off x="6394501" y="4190569"/>
+            <a:ext cx="483700" cy="285783"/>
+          </a:xfrm>
+          <a:prstGeom prst="rect">
+            <a:avLst/>
+          </a:prstGeom>
+          <a:ln w="19050">
+            <a:solidFill>
+              <a:srgbClr val="7030A0"/>
+            </a:solidFill>
+          </a:ln>
+          <a:effectLst/>
+        </p:spPr>
+        <p:style>
+          <a:lnRef idx="1">
+            <a:schemeClr val="accent4"/>
+          </a:lnRef>
+          <a:fillRef idx="2">
+            <a:schemeClr val="accent4"/>
+          </a:fillRef>
+          <a:effectRef idx="1">
+            <a:schemeClr val="accent4"/>
+          </a:effectRef>
+          <a:fontRef idx="minor">
+            <a:schemeClr val="dk1"/>
+          </a:fontRef>
+        </p:style>
+        <p:txBody>
+          <a:bodyPr rtlCol="0" anchor="ctr"/>
+          <a:lstStyle/>
+          <a:p>
+            <a:pPr algn="ctr"/>
+            <a:r>
+              <a:rPr lang="en-US" sz="1050" dirty="0" smtClean="0">
+                <a:solidFill>
+                  <a:srgbClr val="7030A0"/>
+                </a:solidFill>
+              </a:rPr>
+              <a:t>User</a:t>
+            </a:r>
+            <a:endParaRPr lang="en-SG" sz="1050" dirty="0">
+              <a:solidFill>
+                <a:srgbClr val="7030A0"/>
+              </a:solidFill>
+            </a:endParaRPr>
+          </a:p>
+        </p:txBody>
+      </p:sp>
+      <p:cxnSp>
+        <p:nvCxnSpPr>
+          <p:cNvPr id="87" name="Elbow Connector 72">
+            <a:extLst>
+              <a:ext uri="{FF2B5EF4-FFF2-40B4-BE49-F238E27FC236}">
+                <a16:creationId xmlns:a16="http://schemas.microsoft.com/office/drawing/2014/main" xmlns="" id="{8AE386F3-2DFC-4117-9793-35573E1679BB}"/>
+              </a:ext>
+            </a:extLst>
+          </p:cNvPr>
+          <p:cNvCxnSpPr>
+            <a:cxnSpLocks/>
+          </p:cNvCxnSpPr>
+          <p:nvPr/>
+        </p:nvCxnSpPr>
+        <p:spPr>
+          <a:xfrm rot="10800000" flipV="1">
+            <a:off x="6883135" y="4017058"/>
+            <a:ext cx="607131" cy="316408"/>
+          </a:xfrm>
+          <a:prstGeom prst="bentConnector3">
+            <a:avLst>
+              <a:gd name="adj1" fmla="val 633"/>
+            </a:avLst>
+          </a:prstGeom>
+          <a:ln w="19050">
+            <a:solidFill>
+              <a:srgbClr val="7030A0"/>
+            </a:solidFill>
+            <a:headEnd type="none" w="med" len="med"/>
+            <a:tailEnd type="arrow" w="med" len="med"/>
+          </a:ln>
+          <a:effectLst/>
+        </p:spPr>
+        <p:style>
+          <a:lnRef idx="1">
+            <a:schemeClr val="accent2"/>
+          </a:lnRef>
+          <a:fillRef idx="2">
+            <a:schemeClr val="accent2"/>
+          </a:fillRef>
+          <a:effectRef idx="1">
+            <a:schemeClr val="accent2"/>
+          </a:effectRef>
+          <a:fontRef idx="minor">
+            <a:schemeClr val="dk1"/>
+          </a:fontRef>
+        </p:style>
+      </p:cxnSp>
+      <p:sp>
+        <p:nvSpPr>
+          <p:cNvPr id="88" name="Rectangle 8"/>
+          <p:cNvSpPr/>
+          <p:nvPr/>
+        </p:nvSpPr>
+        <p:spPr>
+          <a:xfrm>
+            <a:off x="4477327" y="3370349"/>
+            <a:ext cx="1156969" cy="346760"/>
+          </a:xfrm>
+          <a:prstGeom prst="rect">
+            <a:avLst/>
+          </a:prstGeom>
+          <a:ln w="19050">
+            <a:solidFill>
+              <a:srgbClr val="7030A0"/>
+            </a:solidFill>
+          </a:ln>
+          <a:effectLst/>
+        </p:spPr>
+        <p:style>
+          <a:lnRef idx="1">
+            <a:schemeClr val="accent4"/>
+          </a:lnRef>
+          <a:fillRef idx="2">
+            <a:schemeClr val="accent4"/>
+          </a:fillRef>
+          <a:effectRef idx="1">
+            <a:schemeClr val="accent4"/>
+          </a:effectRef>
+          <a:fontRef idx="minor">
+            <a:schemeClr val="dk1"/>
+          </a:fontRef>
+        </p:style>
+        <p:txBody>
+          <a:bodyPr rtlCol="0" anchor="ctr"/>
+          <a:lstStyle/>
+          <a:p>
+            <a:pPr algn="ctr"/>
+            <a:r>
+              <a:rPr lang="en-US" sz="1050" dirty="0" err="1" smtClean="0">
+                <a:solidFill>
+                  <a:srgbClr val="7030A0"/>
+                </a:solidFill>
+              </a:rPr>
+              <a:t>UniqueUserList</a:t>
+            </a:r>
+            <a:endParaRPr lang="en-SG" sz="1050" dirty="0">
+              <a:solidFill>
+                <a:srgbClr val="7030A0"/>
+              </a:solidFill>
+            </a:endParaRPr>
+          </a:p>
+        </p:txBody>
+      </p:sp>
+      <p:cxnSp>
+        <p:nvCxnSpPr>
+          <p:cNvPr id="89" name="Elbow Connector 88"/>
+          <p:cNvCxnSpPr>
+            <a:stCxn id="51" idx="3"/>
+            <a:endCxn id="88" idx="1"/>
+          </p:cNvCxnSpPr>
+          <p:nvPr/>
+        </p:nvCxnSpPr>
+        <p:spPr>
+          <a:xfrm>
+            <a:off x="4220351" y="2760681"/>
+            <a:ext cx="256976" cy="783048"/>
+          </a:xfrm>
+          <a:prstGeom prst="bentConnector3">
+            <a:avLst/>
+          </a:prstGeom>
+          <a:ln w="19050">
+            <a:solidFill>
+              <a:srgbClr val="7030A0"/>
+            </a:solidFill>
+            <a:headEnd type="none" w="med" len="med"/>
+            <a:tailEnd type="arrow" w="med" len="med"/>
+          </a:ln>
+          <a:effectLst/>
+        </p:spPr>
+        <p:style>
+          <a:lnRef idx="1">
+            <a:schemeClr val="accent2"/>
+          </a:lnRef>
+          <a:fillRef idx="2">
+            <a:schemeClr val="accent2"/>
+          </a:fillRef>
+          <a:effectRef idx="1">
+            <a:schemeClr val="accent2"/>
+          </a:effectRef>
+          <a:fontRef idx="minor">
+            <a:schemeClr val="dk1"/>
+          </a:fontRef>
+        </p:style>
+      </p:cxnSp>
+      <p:sp>
+        <p:nvSpPr>
+          <p:cNvPr id="90" name="TextBox 89"/>
+          <p:cNvSpPr txBox="1"/>
+          <p:nvPr/>
+        </p:nvSpPr>
+        <p:spPr>
+          <a:xfrm>
+            <a:off x="4260823" y="3564733"/>
+            <a:ext cx="189257" cy="178683"/>
+          </a:xfrm>
+          <a:prstGeom prst="rect">
+            <a:avLst/>
+          </a:prstGeom>
+          <a:noFill/>
+        </p:spPr>
+        <p:txBody>
+          <a:bodyPr wrap="square" lIns="0" tIns="0" rIns="0" bIns="0" rtlCol="0">
+            <a:noAutofit/>
+          </a:bodyPr>
+          <a:lstStyle/>
+          <a:p>
+            <a:pPr algn="ctr"/>
+            <a:r>
+              <a:rPr lang="en-US" sz="1100" dirty="0">
+                <a:solidFill>
+                  <a:srgbClr val="7030A0"/>
+                </a:solidFill>
+              </a:rPr>
+              <a:t>1</a:t>
+            </a:r>
+            <a:endParaRPr lang="en-SG" sz="1100" dirty="0">
+              <a:solidFill>
+                <a:srgbClr val="7030A0"/>
+              </a:solidFill>
+            </a:endParaRPr>
+          </a:p>
+        </p:txBody>
+      </p:sp>
+      <p:sp>
+        <p:nvSpPr>
+          <p:cNvPr id="91" name="Flowchart: Decision 96"/>
+          <p:cNvSpPr/>
+          <p:nvPr/>
+        </p:nvSpPr>
+        <p:spPr>
+          <a:xfrm rot="16200000">
+            <a:off x="4921666" y="3755558"/>
+            <a:ext cx="236048" cy="173380"/>
+          </a:xfrm>
+          <a:prstGeom prst="flowChartDecision">
+            <a:avLst/>
+          </a:prstGeom>
+          <a:noFill/>
+          <a:ln w="19050">
+            <a:solidFill>
+              <a:srgbClr val="7030A0"/>
+            </a:solidFill>
+          </a:ln>
+          <a:effectLst/>
+        </p:spPr>
+        <p:style>
+          <a:lnRef idx="1">
+            <a:schemeClr val="accent6"/>
+          </a:lnRef>
+          <a:fillRef idx="2">
+            <a:schemeClr val="accent6"/>
+          </a:fillRef>
+          <a:effectRef idx="1">
+            <a:schemeClr val="accent6"/>
+          </a:effectRef>
+          <a:fontRef idx="minor">
+            <a:schemeClr val="dk1"/>
+          </a:fontRef>
+        </p:style>
+        <p:txBody>
+          <a:bodyPr rtlCol="0" anchor="ctr"/>
+          <a:lstStyle/>
+          <a:p>
+            <a:pPr algn="ctr"/>
+            <a:endParaRPr lang="en-US" sz="1050"/>
+          </a:p>
+        </p:txBody>
+      </p:sp>
+      <p:cxnSp>
+        <p:nvCxnSpPr>
+          <p:cNvPr id="92" name="Elbow Connector 91"/>
+          <p:cNvCxnSpPr>
+            <a:stCxn id="91" idx="1"/>
+            <a:endCxn id="82" idx="1"/>
+          </p:cNvCxnSpPr>
+          <p:nvPr/>
+        </p:nvCxnSpPr>
+        <p:spPr>
+          <a:xfrm rot="16200000" flipH="1">
+            <a:off x="5530501" y="3469460"/>
+            <a:ext cx="373189" cy="1354811"/>
+          </a:xfrm>
+          <a:prstGeom prst="bentConnector2">
+            <a:avLst/>
+          </a:prstGeom>
+          <a:ln w="19050">
+            <a:solidFill>
+              <a:srgbClr val="7030A0"/>
+            </a:solidFill>
+            <a:headEnd type="none" w="med" len="med"/>
+            <a:tailEnd type="arrow" w="med" len="med"/>
+          </a:ln>
+          <a:effectLst/>
+        </p:spPr>
+        <p:style>
+          <a:lnRef idx="1">
+            <a:schemeClr val="accent2"/>
+          </a:lnRef>
+          <a:fillRef idx="2">
+            <a:schemeClr val="accent2"/>
+          </a:fillRef>
+          <a:effectRef idx="1">
+            <a:schemeClr val="accent2"/>
+          </a:effectRef>
+          <a:fontRef idx="minor">
+            <a:schemeClr val="dk1"/>
+          </a:fontRef>
+        </p:style>
+      </p:cxnSp>
+      <p:sp>
+        <p:nvSpPr>
+          <p:cNvPr id="93" name="TextBox 92"/>
+          <p:cNvSpPr txBox="1"/>
+          <p:nvPr/>
+        </p:nvSpPr>
+        <p:spPr>
+          <a:xfrm>
+            <a:off x="6193193" y="4164717"/>
+            <a:ext cx="189257" cy="178683"/>
+          </a:xfrm>
+          <a:prstGeom prst="rect">
+            <a:avLst/>
+          </a:prstGeom>
+          <a:noFill/>
+        </p:spPr>
+        <p:txBody>
+          <a:bodyPr wrap="square" lIns="0" tIns="0" rIns="0" bIns="0" rtlCol="0">
+            <a:noAutofit/>
+          </a:bodyPr>
+          <a:lstStyle/>
+          <a:p>
+            <a:pPr algn="ctr"/>
+            <a:r>
+              <a:rPr lang="en-US" sz="1100" dirty="0">
+                <a:solidFill>
+                  <a:srgbClr val="7030A0"/>
+                </a:solidFill>
+              </a:rPr>
+              <a:t>*</a:t>
+            </a:r>
+            <a:endParaRPr lang="en-SG" sz="1100" dirty="0">
+              <a:solidFill>
+                <a:srgbClr val="7030A0"/>
+              </a:solidFill>
+            </a:endParaRPr>
+          </a:p>
+        </p:txBody>
+      </p:sp>
     </p:spTree>
     <p:extLst>
       <p:ext uri="{BB962C8B-B14F-4D97-AF65-F5344CB8AC3E}">

--- a/docs/diagrams/ModelComponentClassDiagram.pptx
+++ b/docs/diagrams/ModelComponentClassDiagram.pptx
@@ -109,7 +109,7 @@
   </p:defaultTextStyle>
   <p:extLst>
     <p:ext uri="{EFAFB233-063F-42B5-8137-9DF3F51BA10A}">
-      <p15:sldGuideLst xmlns:p15="http://schemas.microsoft.com/office/powerpoint/2012/main" xmlns="">
+      <p15:sldGuideLst xmlns="" xmlns:p15="http://schemas.microsoft.com/office/powerpoint/2012/main">
         <p15:guide id="1" orient="horz" pos="1488">
           <p15:clr>
             <a:srgbClr val="A4A3A4"/>
@@ -208,7 +208,7 @@
           <a:p>
             <a:fld id="{F5CC4B3F-88C1-4FFA-B1B6-F41C21DC6924}" type="datetimeFigureOut">
               <a:rPr lang="en-US" smtClean="0"/>
-              <a:t>4/2/2018</a:t>
+              <a:t>4/4/2018</a:t>
             </a:fld>
             <a:endParaRPr lang="en-US"/>
           </a:p>
@@ -654,7 +654,7 @@
           <a:p>
             <a:fld id="{78C97017-6FC3-485B-9764-EAC9E56C1D49}" type="datetimeFigureOut">
               <a:rPr lang="en-US" smtClean="0"/>
-              <a:t>4/2/2018</a:t>
+              <a:t>4/4/2018</a:t>
             </a:fld>
             <a:endParaRPr lang="en-US"/>
           </a:p>
@@ -822,7 +822,7 @@
           <a:p>
             <a:fld id="{78C97017-6FC3-485B-9764-EAC9E56C1D49}" type="datetimeFigureOut">
               <a:rPr lang="en-US" smtClean="0"/>
-              <a:t>4/2/2018</a:t>
+              <a:t>4/4/2018</a:t>
             </a:fld>
             <a:endParaRPr lang="en-US"/>
           </a:p>
@@ -1000,7 +1000,7 @@
           <a:p>
             <a:fld id="{78C97017-6FC3-485B-9764-EAC9E56C1D49}" type="datetimeFigureOut">
               <a:rPr lang="en-US" smtClean="0"/>
-              <a:t>4/2/2018</a:t>
+              <a:t>4/4/2018</a:t>
             </a:fld>
             <a:endParaRPr lang="en-US"/>
           </a:p>
@@ -1168,7 +1168,7 @@
           <a:p>
             <a:fld id="{78C97017-6FC3-485B-9764-EAC9E56C1D49}" type="datetimeFigureOut">
               <a:rPr lang="en-US" smtClean="0"/>
-              <a:t>4/2/2018</a:t>
+              <a:t>4/4/2018</a:t>
             </a:fld>
             <a:endParaRPr lang="en-US"/>
           </a:p>
@@ -1413,7 +1413,7 @@
           <a:p>
             <a:fld id="{78C97017-6FC3-485B-9764-EAC9E56C1D49}" type="datetimeFigureOut">
               <a:rPr lang="en-US" smtClean="0"/>
-              <a:t>4/2/2018</a:t>
+              <a:t>4/4/2018</a:t>
             </a:fld>
             <a:endParaRPr lang="en-US"/>
           </a:p>
@@ -1698,7 +1698,7 @@
           <a:p>
             <a:fld id="{78C97017-6FC3-485B-9764-EAC9E56C1D49}" type="datetimeFigureOut">
               <a:rPr lang="en-US" smtClean="0"/>
-              <a:t>4/2/2018</a:t>
+              <a:t>4/4/2018</a:t>
             </a:fld>
             <a:endParaRPr lang="en-US"/>
           </a:p>
@@ -2117,7 +2117,7 @@
           <a:p>
             <a:fld id="{78C97017-6FC3-485B-9764-EAC9E56C1D49}" type="datetimeFigureOut">
               <a:rPr lang="en-US" smtClean="0"/>
-              <a:t>4/2/2018</a:t>
+              <a:t>4/4/2018</a:t>
             </a:fld>
             <a:endParaRPr lang="en-US"/>
           </a:p>
@@ -2234,7 +2234,7 @@
           <a:p>
             <a:fld id="{78C97017-6FC3-485B-9764-EAC9E56C1D49}" type="datetimeFigureOut">
               <a:rPr lang="en-US" smtClean="0"/>
-              <a:t>4/2/2018</a:t>
+              <a:t>4/4/2018</a:t>
             </a:fld>
             <a:endParaRPr lang="en-US"/>
           </a:p>
@@ -2329,7 +2329,7 @@
           <a:p>
             <a:fld id="{78C97017-6FC3-485B-9764-EAC9E56C1D49}" type="datetimeFigureOut">
               <a:rPr lang="en-US" smtClean="0"/>
-              <a:t>4/2/2018</a:t>
+              <a:t>4/4/2018</a:t>
             </a:fld>
             <a:endParaRPr lang="en-US"/>
           </a:p>
@@ -2604,7 +2604,7 @@
           <a:p>
             <a:fld id="{78C97017-6FC3-485B-9764-EAC9E56C1D49}" type="datetimeFigureOut">
               <a:rPr lang="en-US" smtClean="0"/>
-              <a:t>4/2/2018</a:t>
+              <a:t>4/4/2018</a:t>
             </a:fld>
             <a:endParaRPr lang="en-US"/>
           </a:p>
@@ -2856,7 +2856,7 @@
           <a:p>
             <a:fld id="{78C97017-6FC3-485B-9764-EAC9E56C1D49}" type="datetimeFigureOut">
               <a:rPr lang="en-US" smtClean="0"/>
-              <a:t>4/2/2018</a:t>
+              <a:t>4/4/2018</a:t>
             </a:fld>
             <a:endParaRPr lang="en-US"/>
           </a:p>
@@ -3067,7 +3067,7 @@
           <a:p>
             <a:fld id="{78C97017-6FC3-485B-9764-EAC9E56C1D49}" type="datetimeFigureOut">
               <a:rPr lang="en-US" smtClean="0"/>
-              <a:t>4/2/2018</a:t>
+              <a:t>4/4/2018</a:t>
             </a:fld>
             <a:endParaRPr lang="en-US"/>
           </a:p>
@@ -3451,7 +3451,7 @@
         <p:spPr>
           <a:xfrm>
             <a:off x="1119865" y="1727200"/>
-            <a:ext cx="7490735" cy="2997200"/>
+            <a:ext cx="7490735" cy="3225800"/>
           </a:xfrm>
           <a:prstGeom prst="roundRect">
             <a:avLst>
@@ -6024,7 +6024,7 @@
           <p:cNvPr id="74" name="Rectangle 8">
             <a:extLst>
               <a:ext uri="{FF2B5EF4-FFF2-40B4-BE49-F238E27FC236}">
-                <a16:creationId xmlns:a16="http://schemas.microsoft.com/office/drawing/2014/main" xmlns="" id="{D1EA267A-1EFE-4F58-9EFF-6A0405CC6ADE}"/>
+                <a16:creationId xmlns="" xmlns:a16="http://schemas.microsoft.com/office/drawing/2014/main" id="{D1EA267A-1EFE-4F58-9EFF-6A0405CC6ADE}"/>
               </a:ext>
             </a:extLst>
           </p:cNvPr>
@@ -6086,7 +6086,7 @@
           <p:cNvPr id="77" name="Elbow Connector 72">
             <a:extLst>
               <a:ext uri="{FF2B5EF4-FFF2-40B4-BE49-F238E27FC236}">
-                <a16:creationId xmlns:a16="http://schemas.microsoft.com/office/drawing/2014/main" xmlns="" id="{8AE386F3-2DFC-4117-9793-35573E1679BB}"/>
+                <a16:creationId xmlns="" xmlns:a16="http://schemas.microsoft.com/office/drawing/2014/main" id="{8AE386F3-2DFC-4117-9793-35573E1679BB}"/>
               </a:ext>
             </a:extLst>
           </p:cNvPr>
@@ -6189,7 +6189,7 @@
           <p:cNvPr id="87" name="Elbow Connector 72">
             <a:extLst>
               <a:ext uri="{FF2B5EF4-FFF2-40B4-BE49-F238E27FC236}">
-                <a16:creationId xmlns:a16="http://schemas.microsoft.com/office/drawing/2014/main" xmlns="" id="{8AE386F3-2DFC-4117-9793-35573E1679BB}"/>
+                <a16:creationId xmlns="" xmlns:a16="http://schemas.microsoft.com/office/drawing/2014/main" id="{8AE386F3-2DFC-4117-9793-35573E1679BB}"/>
               </a:ext>
             </a:extLst>
           </p:cNvPr>
@@ -6488,6 +6488,198 @@
             <a:endParaRPr lang="en-SG" sz="1100" dirty="0">
               <a:solidFill>
                 <a:srgbClr val="7030A0"/>
+              </a:solidFill>
+            </a:endParaRPr>
+          </a:p>
+        </p:txBody>
+      </p:sp>
+      <p:sp>
+        <p:nvSpPr>
+          <p:cNvPr id="94" name="Rectangle 8"/>
+          <p:cNvSpPr/>
+          <p:nvPr/>
+        </p:nvSpPr>
+        <p:spPr>
+          <a:xfrm>
+            <a:off x="4238554" y="4514817"/>
+            <a:ext cx="1602270" cy="285783"/>
+          </a:xfrm>
+          <a:prstGeom prst="rect">
+            <a:avLst/>
+          </a:prstGeom>
+          <a:ln w="19050">
+            <a:solidFill>
+              <a:srgbClr val="7030A0"/>
+            </a:solidFill>
+          </a:ln>
+          <a:effectLst/>
+        </p:spPr>
+        <p:style>
+          <a:lnRef idx="1">
+            <a:schemeClr val="accent4"/>
+          </a:lnRef>
+          <a:fillRef idx="2">
+            <a:schemeClr val="accent4"/>
+          </a:fillRef>
+          <a:effectRef idx="1">
+            <a:schemeClr val="accent4"/>
+          </a:effectRef>
+          <a:fontRef idx="minor">
+            <a:schemeClr val="dk1"/>
+          </a:fontRef>
+        </p:style>
+        <p:txBody>
+          <a:bodyPr rtlCol="0" anchor="ctr"/>
+          <a:lstStyle/>
+          <a:p>
+            <a:pPr algn="ctr"/>
+            <a:r>
+              <a:rPr lang="en-US" sz="1050" dirty="0" err="1" smtClean="0">
+                <a:solidFill>
+                  <a:srgbClr val="7030A0"/>
+                </a:solidFill>
+              </a:rPr>
+              <a:t>UserWithQuestionAnswer</a:t>
+            </a:r>
+            <a:endParaRPr lang="en-SG" sz="1050" dirty="0">
+              <a:solidFill>
+                <a:srgbClr val="7030A0"/>
+              </a:solidFill>
+            </a:endParaRPr>
+          </a:p>
+        </p:txBody>
+      </p:sp>
+      <p:cxnSp>
+        <p:nvCxnSpPr>
+          <p:cNvPr id="95" name="Elbow Connector 94"/>
+          <p:cNvCxnSpPr>
+            <a:stCxn id="91" idx="1"/>
+            <a:endCxn id="94" idx="0"/>
+          </p:cNvCxnSpPr>
+          <p:nvPr/>
+        </p:nvCxnSpPr>
+        <p:spPr>
+          <a:xfrm rot="5400000">
+            <a:off x="4762418" y="4237544"/>
+            <a:ext cx="554545" cy="1"/>
+          </a:xfrm>
+          <a:prstGeom prst="bentConnector3">
+            <a:avLst>
+              <a:gd name="adj1" fmla="val 50000"/>
+            </a:avLst>
+          </a:prstGeom>
+          <a:ln w="19050">
+            <a:solidFill>
+              <a:srgbClr val="7030A0"/>
+            </a:solidFill>
+            <a:headEnd type="none" w="med" len="med"/>
+            <a:tailEnd type="arrow" w="med" len="med"/>
+          </a:ln>
+          <a:effectLst/>
+        </p:spPr>
+        <p:style>
+          <a:lnRef idx="1">
+            <a:schemeClr val="accent2"/>
+          </a:lnRef>
+          <a:fillRef idx="2">
+            <a:schemeClr val="accent2"/>
+          </a:fillRef>
+          <a:effectRef idx="1">
+            <a:schemeClr val="accent2"/>
+          </a:effectRef>
+          <a:fontRef idx="minor">
+            <a:schemeClr val="dk1"/>
+          </a:fontRef>
+        </p:style>
+      </p:cxnSp>
+      <p:cxnSp>
+        <p:nvCxnSpPr>
+          <p:cNvPr id="96" name="Elbow Connector 63"/>
+          <p:cNvCxnSpPr>
+            <a:stCxn id="98" idx="3"/>
+            <a:endCxn id="94" idx="3"/>
+          </p:cNvCxnSpPr>
+          <p:nvPr/>
+        </p:nvCxnSpPr>
+        <p:spPr>
+          <a:xfrm rot="5400000" flipH="1">
+            <a:off x="6233069" y="4265464"/>
+            <a:ext cx="1831" cy="786322"/>
+          </a:xfrm>
+          <a:prstGeom prst="bentConnector4">
+            <a:avLst>
+              <a:gd name="adj1" fmla="val -3828727"/>
+              <a:gd name="adj2" fmla="val 58600"/>
+            </a:avLst>
+          </a:prstGeom>
+          <a:ln w="19050">
+            <a:solidFill>
+              <a:srgbClr val="7030A0"/>
+            </a:solidFill>
+            <a:prstDash val="sysDot"/>
+            <a:headEnd type="none" w="med" len="med"/>
+            <a:tailEnd type="none" w="med" len="med"/>
+          </a:ln>
+          <a:effectLst/>
+        </p:spPr>
+        <p:style>
+          <a:lnRef idx="1">
+            <a:schemeClr val="accent2"/>
+          </a:lnRef>
+          <a:fillRef idx="2">
+            <a:schemeClr val="accent2"/>
+          </a:fillRef>
+          <a:effectRef idx="1">
+            <a:schemeClr val="accent2"/>
+          </a:effectRef>
+          <a:fontRef idx="minor">
+            <a:schemeClr val="dk1"/>
+          </a:fontRef>
+        </p:style>
+      </p:cxnSp>
+      <p:sp>
+        <p:nvSpPr>
+          <p:cNvPr id="98" name="Isosceles Triangle 102"/>
+          <p:cNvSpPr/>
+          <p:nvPr/>
+        </p:nvSpPr>
+        <p:spPr>
+          <a:xfrm rot="10800000" flipV="1">
+            <a:off x="6491894" y="4484017"/>
+            <a:ext cx="270504" cy="175523"/>
+          </a:xfrm>
+          <a:prstGeom prst="triangle">
+            <a:avLst/>
+          </a:prstGeom>
+          <a:ln w="19050">
+            <a:solidFill>
+              <a:srgbClr val="7030A0"/>
+            </a:solidFill>
+          </a:ln>
+          <a:effectLst/>
+        </p:spPr>
+        <p:style>
+          <a:lnRef idx="1">
+            <a:schemeClr val="accent4"/>
+          </a:lnRef>
+          <a:fillRef idx="2">
+            <a:schemeClr val="accent4"/>
+          </a:fillRef>
+          <a:effectRef idx="1">
+            <a:schemeClr val="accent4"/>
+          </a:effectRef>
+          <a:fontRef idx="minor">
+            <a:schemeClr val="dk1"/>
+          </a:fontRef>
+        </p:style>
+        <p:txBody>
+          <a:bodyPr rtlCol="0" anchor="ctr"/>
+          <a:lstStyle/>
+          <a:p>
+            <a:pPr algn="ctr"/>
+            <a:endParaRPr lang="en-SG" sz="1050" b="1">
+              <a:solidFill>
+                <a:srgbClr val="92D050"/>
               </a:solidFill>
             </a:endParaRPr>
           </a:p>
